--- a/figs/fig_results_ratecount_Rorb_annotated.pptx
+++ b/figs/fig_results_ratecount_Rorb_annotated.pptx
@@ -118,6 +118,7 @@
 <file path=ppt/revisionInfo.xml><?xml version="1.0" encoding="utf-8"?>
 <p1510:revInfo xmlns:a="http://schemas.openxmlformats.org/drawingml/2006/main" xmlns:r="http://schemas.openxmlformats.org/officeDocument/2006/relationships" xmlns:p1510="http://schemas.microsoft.com/office/powerpoint/2015/10/main">
   <p1510:revLst>
+    <p1510:client id="{AE73B4D5-7497-0F41-8DCD-42BE02F6FF1D}" v="7" dt="2025-06-09T23:38:51.982"/>
     <p1510:client id="{D47298A3-9FB6-A94B-9B89-B7BEF4FA3D19}" v="16" dt="2025-06-09T21:48:51.784"/>
   </p1510:revLst>
 </p1510:revInfo>
@@ -128,7 +129,7 @@
   <pc:docChgLst>
     <pc:chgData name="Barkasi, Michael" userId="604489e9-c8b5-4a18-ae0d-3a3e29c44efc" providerId="ADAL" clId="{AE73B4D5-7497-0F41-8DCD-42BE02F6FF1D}"/>
     <pc:docChg chg="undo custSel addSld delSld modSld modMainMaster modNotesMaster">
-      <pc:chgData name="Barkasi, Michael" userId="604489e9-c8b5-4a18-ae0d-3a3e29c44efc" providerId="ADAL" clId="{AE73B4D5-7497-0F41-8DCD-42BE02F6FF1D}" dt="2025-06-03T22:33:29.541" v="332" actId="14826"/>
+      <pc:chgData name="Barkasi, Michael" userId="604489e9-c8b5-4a18-ae0d-3a3e29c44efc" providerId="ADAL" clId="{AE73B4D5-7497-0F41-8DCD-42BE02F6FF1D}" dt="2025-06-09T23:40:06.767" v="382" actId="1076"/>
       <pc:docMkLst>
         <pc:docMk/>
       </pc:docMkLst>
@@ -145,366 +146,85 @@
           <pc:docMk/>
           <pc:sldMk cId="2771342219" sldId="257"/>
         </pc:sldMkLst>
+      </pc:sldChg>
+      <pc:sldChg chg="addSp delSp modSp mod">
+        <pc:chgData name="Barkasi, Michael" userId="604489e9-c8b5-4a18-ae0d-3a3e29c44efc" providerId="ADAL" clId="{AE73B4D5-7497-0F41-8DCD-42BE02F6FF1D}" dt="2025-06-09T23:40:06.767" v="382" actId="1076"/>
+        <pc:sldMkLst>
+          <pc:docMk/>
+          <pc:sldMk cId="1818165424" sldId="258"/>
+        </pc:sldMkLst>
         <pc:spChg chg="add mod">
-          <ac:chgData name="Barkasi, Michael" userId="604489e9-c8b5-4a18-ae0d-3a3e29c44efc" providerId="ADAL" clId="{AE73B4D5-7497-0F41-8DCD-42BE02F6FF1D}" dt="2025-05-18T15:06:34.343" v="160" actId="1076"/>
+          <ac:chgData name="Barkasi, Michael" userId="604489e9-c8b5-4a18-ae0d-3a3e29c44efc" providerId="ADAL" clId="{AE73B4D5-7497-0F41-8DCD-42BE02F6FF1D}" dt="2025-06-09T23:38:41.725" v="358" actId="1076"/>
           <ac:spMkLst>
             <pc:docMk/>
-            <pc:sldMk cId="2771342219" sldId="257"/>
-            <ac:spMk id="2" creationId="{EF73ECB2-138A-46A0-9274-40B73B8DE9AF}"/>
+            <pc:sldMk cId="1818165424" sldId="258"/>
+            <ac:spMk id="2" creationId="{1FE50FF3-A92F-96A7-CF02-3958AD501752}"/>
           </ac:spMkLst>
         </pc:spChg>
         <pc:spChg chg="add mod">
-          <ac:chgData name="Barkasi, Michael" userId="604489e9-c8b5-4a18-ae0d-3a3e29c44efc" providerId="ADAL" clId="{AE73B4D5-7497-0F41-8DCD-42BE02F6FF1D}" dt="2025-05-18T15:06:53.538" v="161" actId="1076"/>
+          <ac:chgData name="Barkasi, Michael" userId="604489e9-c8b5-4a18-ae0d-3a3e29c44efc" providerId="ADAL" clId="{AE73B4D5-7497-0F41-8DCD-42BE02F6FF1D}" dt="2025-06-09T23:39:32.732" v="373" actId="1076"/>
           <ac:spMkLst>
             <pc:docMk/>
-            <pc:sldMk cId="2771342219" sldId="257"/>
-            <ac:spMk id="3" creationId="{CA1D5E9D-2276-76F4-325E-D63964C9F823}"/>
+            <pc:sldMk cId="1818165424" sldId="258"/>
+            <ac:spMk id="6" creationId="{691D8FAA-86C0-1D24-747B-014778B725A5}"/>
           </ac:spMkLst>
         </pc:spChg>
         <pc:spChg chg="add mod">
-          <ac:chgData name="Barkasi, Michael" userId="604489e9-c8b5-4a18-ae0d-3a3e29c44efc" providerId="ADAL" clId="{AE73B4D5-7497-0F41-8DCD-42BE02F6FF1D}" dt="2025-05-18T15:05:42.676" v="156" actId="1076"/>
+          <ac:chgData name="Barkasi, Michael" userId="604489e9-c8b5-4a18-ae0d-3a3e29c44efc" providerId="ADAL" clId="{AE73B4D5-7497-0F41-8DCD-42BE02F6FF1D}" dt="2025-06-09T23:39:52.630" v="379" actId="1076"/>
           <ac:spMkLst>
             <pc:docMk/>
-            <pc:sldMk cId="2771342219" sldId="257"/>
-            <ac:spMk id="4" creationId="{EA0706E9-AEF1-077B-72C6-8673863940A8}"/>
+            <pc:sldMk cId="1818165424" sldId="258"/>
+            <ac:spMk id="9" creationId="{BAA1CAAB-0152-A4A0-9CFD-76AE8AA16F8D}"/>
           </ac:spMkLst>
         </pc:spChg>
         <pc:spChg chg="add mod">
-          <ac:chgData name="Barkasi, Michael" userId="604489e9-c8b5-4a18-ae0d-3a3e29c44efc" providerId="ADAL" clId="{AE73B4D5-7497-0F41-8DCD-42BE02F6FF1D}" dt="2025-05-18T15:07:13.365" v="164" actId="1076"/>
+          <ac:chgData name="Barkasi, Michael" userId="604489e9-c8b5-4a18-ae0d-3a3e29c44efc" providerId="ADAL" clId="{AE73B4D5-7497-0F41-8DCD-42BE02F6FF1D}" dt="2025-06-09T23:39:13.862" v="369" actId="1076"/>
           <ac:spMkLst>
             <pc:docMk/>
-            <pc:sldMk cId="2771342219" sldId="257"/>
-            <ac:spMk id="5" creationId="{7938405D-DE20-98D2-1FF3-62B7F54A8349}"/>
+            <pc:sldMk cId="1818165424" sldId="258"/>
+            <ac:spMk id="11" creationId="{55CB7C93-81B3-C5C6-7F5D-962254718E24}"/>
           </ac:spMkLst>
         </pc:spChg>
         <pc:spChg chg="add mod">
-          <ac:chgData name="Barkasi, Michael" userId="604489e9-c8b5-4a18-ae0d-3a3e29c44efc" providerId="ADAL" clId="{AE73B4D5-7497-0F41-8DCD-42BE02F6FF1D}" dt="2025-05-18T15:08:11.266" v="166" actId="1076"/>
+          <ac:chgData name="Barkasi, Michael" userId="604489e9-c8b5-4a18-ae0d-3a3e29c44efc" providerId="ADAL" clId="{AE73B4D5-7497-0F41-8DCD-42BE02F6FF1D}" dt="2025-06-09T23:40:06.767" v="382" actId="1076"/>
           <ac:spMkLst>
             <pc:docMk/>
-            <pc:sldMk cId="2771342219" sldId="257"/>
-            <ac:spMk id="6" creationId="{30162D44-F5CD-47B5-5B97-8F7674656F8C}"/>
+            <pc:sldMk cId="1818165424" sldId="258"/>
+            <ac:spMk id="12" creationId="{2D71F764-0F0C-4577-29C0-77A35CC9F7DC}"/>
           </ac:spMkLst>
         </pc:spChg>
-        <pc:spChg chg="add mod">
-          <ac:chgData name="Barkasi, Michael" userId="604489e9-c8b5-4a18-ae0d-3a3e29c44efc" providerId="ADAL" clId="{AE73B4D5-7497-0F41-8DCD-42BE02F6FF1D}" dt="2025-05-18T15:10:22.689" v="176" actId="1076"/>
-          <ac:spMkLst>
-            <pc:docMk/>
-            <pc:sldMk cId="2771342219" sldId="257"/>
-            <ac:spMk id="8" creationId="{4366D932-45ED-729C-8325-15DA12B9EBD2}"/>
-          </ac:spMkLst>
-        </pc:spChg>
-        <pc:spChg chg="add mod">
-          <ac:chgData name="Barkasi, Michael" userId="604489e9-c8b5-4a18-ae0d-3a3e29c44efc" providerId="ADAL" clId="{AE73B4D5-7497-0F41-8DCD-42BE02F6FF1D}" dt="2025-05-18T05:03:58.310" v="73" actId="207"/>
-          <ac:spMkLst>
-            <pc:docMk/>
-            <pc:sldMk cId="2771342219" sldId="257"/>
-            <ac:spMk id="10" creationId="{084C86F4-E1E9-30B7-FB39-681A6577B7C5}"/>
-          </ac:spMkLst>
-        </pc:spChg>
-        <pc:spChg chg="add mod">
-          <ac:chgData name="Barkasi, Michael" userId="604489e9-c8b5-4a18-ae0d-3a3e29c44efc" providerId="ADAL" clId="{AE73B4D5-7497-0F41-8DCD-42BE02F6FF1D}" dt="2025-05-18T05:04:01.663" v="74" actId="207"/>
-          <ac:spMkLst>
-            <pc:docMk/>
-            <pc:sldMk cId="2771342219" sldId="257"/>
-            <ac:spMk id="11" creationId="{73607309-C1CD-D192-385D-6E3686D3F848}"/>
-          </ac:spMkLst>
-        </pc:spChg>
-        <pc:spChg chg="add mod">
-          <ac:chgData name="Barkasi, Michael" userId="604489e9-c8b5-4a18-ae0d-3a3e29c44efc" providerId="ADAL" clId="{AE73B4D5-7497-0F41-8DCD-42BE02F6FF1D}" dt="2025-05-18T05:04:06.788" v="75" actId="207"/>
-          <ac:spMkLst>
-            <pc:docMk/>
-            <pc:sldMk cId="2771342219" sldId="257"/>
-            <ac:spMk id="12" creationId="{88F88EC0-F378-44EA-C765-8C8BF2575E5E}"/>
-          </ac:spMkLst>
-        </pc:spChg>
-        <pc:spChg chg="add mod">
-          <ac:chgData name="Barkasi, Michael" userId="604489e9-c8b5-4a18-ae0d-3a3e29c44efc" providerId="ADAL" clId="{AE73B4D5-7497-0F41-8DCD-42BE02F6FF1D}" dt="2025-05-18T05:04:10.536" v="76" actId="207"/>
-          <ac:spMkLst>
-            <pc:docMk/>
-            <pc:sldMk cId="2771342219" sldId="257"/>
-            <ac:spMk id="13" creationId="{18EF2094-E0BF-2B4A-1D50-659B09E5A586}"/>
-          </ac:spMkLst>
-        </pc:spChg>
-        <pc:spChg chg="add mod">
-          <ac:chgData name="Barkasi, Michael" userId="604489e9-c8b5-4a18-ae0d-3a3e29c44efc" providerId="ADAL" clId="{AE73B4D5-7497-0F41-8DCD-42BE02F6FF1D}" dt="2025-05-18T05:04:13.858" v="77" actId="207"/>
-          <ac:spMkLst>
-            <pc:docMk/>
-            <pc:sldMk cId="2771342219" sldId="257"/>
-            <ac:spMk id="14" creationId="{F24465FB-E068-83A6-A618-BBA5CA19F9F2}"/>
-          </ac:spMkLst>
-        </pc:spChg>
-        <pc:spChg chg="add mod">
-          <ac:chgData name="Barkasi, Michael" userId="604489e9-c8b5-4a18-ae0d-3a3e29c44efc" providerId="ADAL" clId="{AE73B4D5-7497-0F41-8DCD-42BE02F6FF1D}" dt="2025-05-28T19:50:15.511" v="331" actId="1076"/>
-          <ac:spMkLst>
-            <pc:docMk/>
-            <pc:sldMk cId="2771342219" sldId="257"/>
-            <ac:spMk id="17" creationId="{7A705662-BC37-69B8-1D14-C84044BC25A3}"/>
-          </ac:spMkLst>
-        </pc:spChg>
-        <pc:spChg chg="add mod">
-          <ac:chgData name="Barkasi, Michael" userId="604489e9-c8b5-4a18-ae0d-3a3e29c44efc" providerId="ADAL" clId="{AE73B4D5-7497-0F41-8DCD-42BE02F6FF1D}" dt="2025-05-23T02:10:02.591" v="211" actId="1076"/>
-          <ac:spMkLst>
-            <pc:docMk/>
-            <pc:sldMk cId="2771342219" sldId="257"/>
-            <ac:spMk id="18" creationId="{22182B28-F2C6-42A3-660E-A91CEEBF1EEA}"/>
-          </ac:spMkLst>
-        </pc:spChg>
-        <pc:spChg chg="add mod">
-          <ac:chgData name="Barkasi, Michael" userId="604489e9-c8b5-4a18-ae0d-3a3e29c44efc" providerId="ADAL" clId="{AE73B4D5-7497-0F41-8DCD-42BE02F6FF1D}" dt="2025-05-28T01:32:29.557" v="291" actId="14100"/>
-          <ac:spMkLst>
-            <pc:docMk/>
-            <pc:sldMk cId="2771342219" sldId="257"/>
-            <ac:spMk id="19" creationId="{87EC310C-7343-7C0B-A984-1CECBB1B4D1D}"/>
-          </ac:spMkLst>
-        </pc:spChg>
-        <pc:spChg chg="add mod">
-          <ac:chgData name="Barkasi, Michael" userId="604489e9-c8b5-4a18-ae0d-3a3e29c44efc" providerId="ADAL" clId="{AE73B4D5-7497-0F41-8DCD-42BE02F6FF1D}" dt="2025-05-23T02:10:10.825" v="212" actId="1076"/>
-          <ac:spMkLst>
-            <pc:docMk/>
-            <pc:sldMk cId="2771342219" sldId="257"/>
-            <ac:spMk id="20" creationId="{3CEAAFA4-4B14-C560-6D6B-5B0E73157F60}"/>
-          </ac:spMkLst>
-        </pc:spChg>
-        <pc:spChg chg="add mod">
-          <ac:chgData name="Barkasi, Michael" userId="604489e9-c8b5-4a18-ae0d-3a3e29c44efc" providerId="ADAL" clId="{AE73B4D5-7497-0F41-8DCD-42BE02F6FF1D}" dt="2025-05-18T15:10:03.683" v="173" actId="1076"/>
-          <ac:spMkLst>
-            <pc:docMk/>
-            <pc:sldMk cId="2771342219" sldId="257"/>
-            <ac:spMk id="21" creationId="{99B94336-7AAB-9A8C-3599-00C1C65E7458}"/>
-          </ac:spMkLst>
-        </pc:spChg>
-        <pc:spChg chg="add mod">
-          <ac:chgData name="Barkasi, Michael" userId="604489e9-c8b5-4a18-ae0d-3a3e29c44efc" providerId="ADAL" clId="{AE73B4D5-7497-0F41-8DCD-42BE02F6FF1D}" dt="2025-05-18T15:09:31.471" v="171" actId="1076"/>
-          <ac:spMkLst>
-            <pc:docMk/>
-            <pc:sldMk cId="2771342219" sldId="257"/>
-            <ac:spMk id="22" creationId="{C5F9E485-263D-575D-3AC7-2F1481FF45F5}"/>
-          </ac:spMkLst>
-        </pc:spChg>
-        <pc:spChg chg="add mod">
-          <ac:chgData name="Barkasi, Michael" userId="604489e9-c8b5-4a18-ae0d-3a3e29c44efc" providerId="ADAL" clId="{AE73B4D5-7497-0F41-8DCD-42BE02F6FF1D}" dt="2025-05-18T15:09:48.967" v="172" actId="1076"/>
-          <ac:spMkLst>
-            <pc:docMk/>
-            <pc:sldMk cId="2771342219" sldId="257"/>
-            <ac:spMk id="23" creationId="{6C3F63B6-DBA5-F65A-D8D7-3FF717630A5D}"/>
-          </ac:spMkLst>
-        </pc:spChg>
-        <pc:spChg chg="add mod">
-          <ac:chgData name="Barkasi, Michael" userId="604489e9-c8b5-4a18-ae0d-3a3e29c44efc" providerId="ADAL" clId="{AE73B4D5-7497-0F41-8DCD-42BE02F6FF1D}" dt="2025-05-18T15:07:37.502" v="165" actId="1076"/>
-          <ac:spMkLst>
-            <pc:docMk/>
-            <pc:sldMk cId="2771342219" sldId="257"/>
-            <ac:spMk id="24" creationId="{E8AD2673-73AD-1F92-DEFD-EABD10A48FCD}"/>
-          </ac:spMkLst>
-        </pc:spChg>
-        <pc:spChg chg="mod">
-          <ac:chgData name="Barkasi, Michael" userId="604489e9-c8b5-4a18-ae0d-3a3e29c44efc" providerId="ADAL" clId="{AE73B4D5-7497-0F41-8DCD-42BE02F6FF1D}" dt="2025-05-18T15:47:18.690" v="180"/>
-          <ac:spMkLst>
-            <pc:docMk/>
-            <pc:sldMk cId="2771342219" sldId="257"/>
-            <ac:spMk id="26" creationId="{FA67CFD9-9CFA-CF40-3D41-9EF4EE1D765D}"/>
-          </ac:spMkLst>
-        </pc:spChg>
-        <pc:spChg chg="add mod">
-          <ac:chgData name="Barkasi, Michael" userId="604489e9-c8b5-4a18-ae0d-3a3e29c44efc" providerId="ADAL" clId="{AE73B4D5-7497-0F41-8DCD-42BE02F6FF1D}" dt="2025-05-28T16:44:49.189" v="298" actId="1076"/>
-          <ac:spMkLst>
-            <pc:docMk/>
-            <pc:sldMk cId="2771342219" sldId="257"/>
-            <ac:spMk id="27" creationId="{958F7C7A-1B34-A3E0-726D-A3261E3F2D4C}"/>
-          </ac:spMkLst>
-        </pc:spChg>
-        <pc:spChg chg="add mod">
-          <ac:chgData name="Barkasi, Michael" userId="604489e9-c8b5-4a18-ae0d-3a3e29c44efc" providerId="ADAL" clId="{AE73B4D5-7497-0F41-8DCD-42BE02F6FF1D}" dt="2025-05-28T01:27:11.046" v="257" actId="1076"/>
-          <ac:spMkLst>
-            <pc:docMk/>
-            <pc:sldMk cId="2771342219" sldId="257"/>
-            <ac:spMk id="31" creationId="{1950F63D-2984-1F88-CF6A-5B08256A2FE2}"/>
-          </ac:spMkLst>
-        </pc:spChg>
-        <pc:spChg chg="add mod">
-          <ac:chgData name="Barkasi, Michael" userId="604489e9-c8b5-4a18-ae0d-3a3e29c44efc" providerId="ADAL" clId="{AE73B4D5-7497-0F41-8DCD-42BE02F6FF1D}" dt="2025-05-28T01:30:53.960" v="280" actId="1076"/>
-          <ac:spMkLst>
-            <pc:docMk/>
-            <pc:sldMk cId="2771342219" sldId="257"/>
-            <ac:spMk id="32" creationId="{D5F83796-D4C3-8395-EAB4-1AD4829DEB34}"/>
-          </ac:spMkLst>
-        </pc:spChg>
-        <pc:spChg chg="add mod">
-          <ac:chgData name="Barkasi, Michael" userId="604489e9-c8b5-4a18-ae0d-3a3e29c44efc" providerId="ADAL" clId="{AE73B4D5-7497-0F41-8DCD-42BE02F6FF1D}" dt="2025-05-28T16:45:55.514" v="308" actId="1076"/>
-          <ac:spMkLst>
-            <pc:docMk/>
-            <pc:sldMk cId="2771342219" sldId="257"/>
-            <ac:spMk id="33" creationId="{7B7F27CA-12F2-327E-D923-43F430D0DDF3}"/>
-          </ac:spMkLst>
-        </pc:spChg>
-        <pc:spChg chg="add mod">
-          <ac:chgData name="Barkasi, Michael" userId="604489e9-c8b5-4a18-ae0d-3a3e29c44efc" providerId="ADAL" clId="{AE73B4D5-7497-0F41-8DCD-42BE02F6FF1D}" dt="2025-05-18T05:09:49.952" v="107" actId="164"/>
-          <ac:spMkLst>
-            <pc:docMk/>
-            <pc:sldMk cId="2771342219" sldId="257"/>
-            <ac:spMk id="34" creationId="{47D5AC6D-AFDB-4FD0-0618-A6C60C0F28E2}"/>
-          </ac:spMkLst>
-        </pc:spChg>
-        <pc:spChg chg="add mod">
-          <ac:chgData name="Barkasi, Michael" userId="604489e9-c8b5-4a18-ae0d-3a3e29c44efc" providerId="ADAL" clId="{AE73B4D5-7497-0F41-8DCD-42BE02F6FF1D}" dt="2025-05-18T05:09:49.952" v="107" actId="164"/>
-          <ac:spMkLst>
-            <pc:docMk/>
-            <pc:sldMk cId="2771342219" sldId="257"/>
-            <ac:spMk id="35" creationId="{54A0724D-2BD7-7638-2498-BF1771EB37AC}"/>
-          </ac:spMkLst>
-        </pc:spChg>
-        <pc:spChg chg="mod">
-          <ac:chgData name="Barkasi, Michael" userId="604489e9-c8b5-4a18-ae0d-3a3e29c44efc" providerId="ADAL" clId="{AE73B4D5-7497-0F41-8DCD-42BE02F6FF1D}" dt="2025-05-18T05:06:12.643" v="86" actId="164"/>
-          <ac:spMkLst>
-            <pc:docMk/>
-            <pc:sldMk cId="2771342219" sldId="257"/>
-            <ac:spMk id="37" creationId="{76003F91-7471-8420-E059-ADDD50B0D6D8}"/>
-          </ac:spMkLst>
-        </pc:spChg>
-        <pc:spChg chg="mod">
-          <ac:chgData name="Barkasi, Michael" userId="604489e9-c8b5-4a18-ae0d-3a3e29c44efc" providerId="ADAL" clId="{AE73B4D5-7497-0F41-8DCD-42BE02F6FF1D}" dt="2025-05-18T05:06:12.643" v="86" actId="164"/>
-          <ac:spMkLst>
-            <pc:docMk/>
-            <pc:sldMk cId="2771342219" sldId="257"/>
-            <ac:spMk id="38" creationId="{62281851-1479-B76A-DC3A-AAA57F88E356}"/>
-          </ac:spMkLst>
-        </pc:spChg>
-        <pc:spChg chg="add mod">
-          <ac:chgData name="Barkasi, Michael" userId="604489e9-c8b5-4a18-ae0d-3a3e29c44efc" providerId="ADAL" clId="{AE73B4D5-7497-0F41-8DCD-42BE02F6FF1D}" dt="2025-05-28T01:27:56.945" v="261" actId="1076"/>
-          <ac:spMkLst>
-            <pc:docMk/>
-            <pc:sldMk cId="2771342219" sldId="257"/>
-            <ac:spMk id="39" creationId="{36DD74EB-BE2B-2179-C13B-58B0D28CB09E}"/>
-          </ac:spMkLst>
-        </pc:spChg>
-        <pc:spChg chg="add mod">
-          <ac:chgData name="Barkasi, Michael" userId="604489e9-c8b5-4a18-ae0d-3a3e29c44efc" providerId="ADAL" clId="{AE73B4D5-7497-0F41-8DCD-42BE02F6FF1D}" dt="2025-05-28T01:32:14.456" v="290" actId="1076"/>
-          <ac:spMkLst>
-            <pc:docMk/>
-            <pc:sldMk cId="2771342219" sldId="257"/>
-            <ac:spMk id="40" creationId="{B2D754C9-0945-9116-1F5A-E4A85BC910C9}"/>
-          </ac:spMkLst>
-        </pc:spChg>
-        <pc:spChg chg="mod">
-          <ac:chgData name="Barkasi, Michael" userId="604489e9-c8b5-4a18-ae0d-3a3e29c44efc" providerId="ADAL" clId="{AE73B4D5-7497-0F41-8DCD-42BE02F6FF1D}" dt="2025-05-18T15:47:18.690" v="180"/>
-          <ac:spMkLst>
-            <pc:docMk/>
-            <pc:sldMk cId="2771342219" sldId="257"/>
-            <ac:spMk id="41" creationId="{F97A6F7E-F5CC-F190-F346-2E1A0222DE8B}"/>
-          </ac:spMkLst>
-        </pc:spChg>
-        <pc:spChg chg="add mod">
-          <ac:chgData name="Barkasi, Michael" userId="604489e9-c8b5-4a18-ae0d-3a3e29c44efc" providerId="ADAL" clId="{AE73B4D5-7497-0F41-8DCD-42BE02F6FF1D}" dt="2025-05-28T01:31:08.259" v="281" actId="1076"/>
-          <ac:spMkLst>
-            <pc:docMk/>
-            <pc:sldMk cId="2771342219" sldId="257"/>
-            <ac:spMk id="43" creationId="{1E68B2E2-C50B-369A-527A-ABC53E53F4B9}"/>
-          </ac:spMkLst>
-        </pc:spChg>
-        <pc:spChg chg="add mod">
-          <ac:chgData name="Barkasi, Michael" userId="604489e9-c8b5-4a18-ae0d-3a3e29c44efc" providerId="ADAL" clId="{AE73B4D5-7497-0F41-8DCD-42BE02F6FF1D}" dt="2025-05-28T01:31:38.874" v="285" actId="1076"/>
-          <ac:spMkLst>
-            <pc:docMk/>
-            <pc:sldMk cId="2771342219" sldId="257"/>
-            <ac:spMk id="46" creationId="{F8FF86A7-E8C4-8CF9-C137-FC19A95F66FA}"/>
-          </ac:spMkLst>
-        </pc:spChg>
-        <pc:spChg chg="add mod">
-          <ac:chgData name="Barkasi, Michael" userId="604489e9-c8b5-4a18-ae0d-3a3e29c44efc" providerId="ADAL" clId="{AE73B4D5-7497-0F41-8DCD-42BE02F6FF1D}" dt="2025-05-28T19:50:03.037" v="330" actId="1076"/>
-          <ac:spMkLst>
-            <pc:docMk/>
-            <pc:sldMk cId="2771342219" sldId="257"/>
-            <ac:spMk id="49" creationId="{7AA1FB79-BAA9-EE7B-A53A-22EDF8632399}"/>
-          </ac:spMkLst>
-        </pc:spChg>
-        <pc:grpChg chg="add mod">
-          <ac:chgData name="Barkasi, Michael" userId="604489e9-c8b5-4a18-ae0d-3a3e29c44efc" providerId="ADAL" clId="{AE73B4D5-7497-0F41-8DCD-42BE02F6FF1D}" dt="2025-05-28T01:28:22.086" v="265" actId="1076"/>
-          <ac:grpSpMkLst>
-            <pc:docMk/>
-            <pc:sldMk cId="2771342219" sldId="257"/>
-            <ac:grpSpMk id="25" creationId="{B2BCED9B-9057-BD4C-5EE0-BC1B88037D1D}"/>
-          </ac:grpSpMkLst>
-        </pc:grpChg>
-        <pc:grpChg chg="mod">
-          <ac:chgData name="Barkasi, Michael" userId="604489e9-c8b5-4a18-ae0d-3a3e29c44efc" providerId="ADAL" clId="{AE73B4D5-7497-0F41-8DCD-42BE02F6FF1D}" dt="2025-05-28T01:31:45.447" v="287" actId="1076"/>
-          <ac:grpSpMkLst>
-            <pc:docMk/>
-            <pc:sldMk cId="2771342219" sldId="257"/>
-            <ac:grpSpMk id="36" creationId="{B8BA6957-FC42-8D1F-B405-D825FD885781}"/>
-          </ac:grpSpMkLst>
-        </pc:grpChg>
-        <pc:grpChg chg="add mod">
-          <ac:chgData name="Barkasi, Michael" userId="604489e9-c8b5-4a18-ae0d-3a3e29c44efc" providerId="ADAL" clId="{AE73B4D5-7497-0F41-8DCD-42BE02F6FF1D}" dt="2025-05-28T01:26:30.158" v="252" actId="1076"/>
-          <ac:grpSpMkLst>
-            <pc:docMk/>
-            <pc:sldMk cId="2771342219" sldId="257"/>
-            <ac:grpSpMk id="42" creationId="{D4891DC2-75E2-F321-052E-B91DAF56A534}"/>
-          </ac:grpSpMkLst>
-        </pc:grpChg>
-        <pc:picChg chg="add mod">
-          <ac:chgData name="Barkasi, Michael" userId="604489e9-c8b5-4a18-ae0d-3a3e29c44efc" providerId="ADAL" clId="{AE73B4D5-7497-0F41-8DCD-42BE02F6FF1D}" dt="2025-06-03T22:33:29.541" v="332" actId="14826"/>
+        <pc:picChg chg="add mod modCrop">
+          <ac:chgData name="Barkasi, Michael" userId="604489e9-c8b5-4a18-ae0d-3a3e29c44efc" providerId="ADAL" clId="{AE73B4D5-7497-0F41-8DCD-42BE02F6FF1D}" dt="2025-06-09T23:32:17.437" v="348" actId="1076"/>
           <ac:picMkLst>
             <pc:docMk/>
-            <pc:sldMk cId="2771342219" sldId="257"/>
-            <ac:picMk id="9" creationId="{E4016535-52E8-D9F4-FB39-29EEF06A2DFD}"/>
+            <pc:sldMk cId="1818165424" sldId="258"/>
+            <ac:picMk id="3" creationId="{C28F3247-D87A-752D-3C79-37810469E981}"/>
           </ac:picMkLst>
         </pc:picChg>
-        <pc:picChg chg="add mod">
-          <ac:chgData name="Barkasi, Michael" userId="604489e9-c8b5-4a18-ae0d-3a3e29c44efc" providerId="ADAL" clId="{AE73B4D5-7497-0F41-8DCD-42BE02F6FF1D}" dt="2025-05-23T02:09:18.140" v="206" actId="1076"/>
+        <pc:picChg chg="add mod modCrop">
+          <ac:chgData name="Barkasi, Michael" userId="604489e9-c8b5-4a18-ae0d-3a3e29c44efc" providerId="ADAL" clId="{AE73B4D5-7497-0F41-8DCD-42BE02F6FF1D}" dt="2025-06-09T23:32:45.338" v="350" actId="1076"/>
           <ac:picMkLst>
             <pc:docMk/>
-            <pc:sldMk cId="2771342219" sldId="257"/>
-            <ac:picMk id="45" creationId="{BF5C619C-27EE-EAD0-E771-38CC614A9E9F}"/>
+            <pc:sldMk cId="1818165424" sldId="258"/>
+            <ac:picMk id="4" creationId="{02C10240-0811-1D60-B3FA-7B35A72DC0EB}"/>
           </ac:picMkLst>
         </pc:picChg>
-        <pc:cxnChg chg="add mod">
-          <ac:chgData name="Barkasi, Michael" userId="604489e9-c8b5-4a18-ae0d-3a3e29c44efc" providerId="ADAL" clId="{AE73B4D5-7497-0F41-8DCD-42BE02F6FF1D}" dt="2025-05-28T19:49:16.627" v="316" actId="1076"/>
-          <ac:cxnSpMkLst>
-            <pc:docMk/>
-            <pc:sldMk cId="2771342219" sldId="257"/>
-            <ac:cxnSpMk id="7" creationId="{5874C93C-D9B6-A9F1-2B89-7F142ADBC8AB}"/>
-          </ac:cxnSpMkLst>
-        </pc:cxnChg>
-        <pc:cxnChg chg="add mod">
-          <ac:chgData name="Barkasi, Michael" userId="604489e9-c8b5-4a18-ae0d-3a3e29c44efc" providerId="ADAL" clId="{AE73B4D5-7497-0F41-8DCD-42BE02F6FF1D}" dt="2025-05-28T01:25:49.963" v="249" actId="14100"/>
-          <ac:cxnSpMkLst>
-            <pc:docMk/>
-            <pc:sldMk cId="2771342219" sldId="257"/>
-            <ac:cxnSpMk id="15" creationId="{B27A5B33-7A71-E552-64D3-364CB213A3F0}"/>
-          </ac:cxnSpMkLst>
-        </pc:cxnChg>
-        <pc:cxnChg chg="add mod">
-          <ac:chgData name="Barkasi, Michael" userId="604489e9-c8b5-4a18-ae0d-3a3e29c44efc" providerId="ADAL" clId="{AE73B4D5-7497-0F41-8DCD-42BE02F6FF1D}" dt="2025-05-28T19:49:30.118" v="318" actId="14100"/>
-          <ac:cxnSpMkLst>
-            <pc:docMk/>
-            <pc:sldMk cId="2771342219" sldId="257"/>
-            <ac:cxnSpMk id="16" creationId="{4C50C9A7-AF1D-5559-BD8E-138D6774BD9E}"/>
-          </ac:cxnSpMkLst>
-        </pc:cxnChg>
-        <pc:cxnChg chg="mod">
-          <ac:chgData name="Barkasi, Michael" userId="604489e9-c8b5-4a18-ae0d-3a3e29c44efc" providerId="ADAL" clId="{AE73B4D5-7497-0F41-8DCD-42BE02F6FF1D}" dt="2025-05-28T01:31:59.924" v="289" actId="14100"/>
-          <ac:cxnSpMkLst>
-            <pc:docMk/>
-            <pc:sldMk cId="2771342219" sldId="257"/>
-            <ac:cxnSpMk id="28" creationId="{8850A432-B56E-ACDF-A4FB-A43F62321A0E}"/>
-          </ac:cxnSpMkLst>
-        </pc:cxnChg>
-        <pc:cxnChg chg="mod">
-          <ac:chgData name="Barkasi, Michael" userId="604489e9-c8b5-4a18-ae0d-3a3e29c44efc" providerId="ADAL" clId="{AE73B4D5-7497-0F41-8DCD-42BE02F6FF1D}" dt="2025-05-28T01:28:48.960" v="268" actId="1076"/>
-          <ac:cxnSpMkLst>
-            <pc:docMk/>
-            <pc:sldMk cId="2771342219" sldId="257"/>
-            <ac:cxnSpMk id="29" creationId="{1CD26346-E81A-4470-528F-3277BD56AF43}"/>
-          </ac:cxnSpMkLst>
-        </pc:cxnChg>
-        <pc:cxnChg chg="mod">
-          <ac:chgData name="Barkasi, Michael" userId="604489e9-c8b5-4a18-ae0d-3a3e29c44efc" providerId="ADAL" clId="{AE73B4D5-7497-0F41-8DCD-42BE02F6FF1D}" dt="2025-05-28T01:27:42.795" v="260" actId="1076"/>
-          <ac:cxnSpMkLst>
-            <pc:docMk/>
-            <pc:sldMk cId="2771342219" sldId="257"/>
-            <ac:cxnSpMk id="30" creationId="{97CA7731-B0BA-57F1-65CE-F9D9A821826C}"/>
-          </ac:cxnSpMkLst>
-        </pc:cxnChg>
+        <pc:picChg chg="del">
+          <ac:chgData name="Barkasi, Michael" userId="604489e9-c8b5-4a18-ae0d-3a3e29c44efc" providerId="ADAL" clId="{AE73B4D5-7497-0F41-8DCD-42BE02F6FF1D}" dt="2025-06-09T23:30:28.339" v="333" actId="478"/>
+          <ac:picMkLst>
+            <pc:docMk/>
+            <pc:sldMk cId="1818165424" sldId="258"/>
+            <ac:picMk id="23" creationId="{47A24157-C39A-2030-97F0-007C49B9328C}"/>
+          </ac:picMkLst>
+        </pc:picChg>
+        <pc:picChg chg="del">
+          <ac:chgData name="Barkasi, Michael" userId="604489e9-c8b5-4a18-ae0d-3a3e29c44efc" providerId="ADAL" clId="{AE73B4D5-7497-0F41-8DCD-42BE02F6FF1D}" dt="2025-06-09T23:32:38.710" v="349" actId="478"/>
+          <ac:picMkLst>
+            <pc:docMk/>
+            <pc:sldMk cId="1818165424" sldId="258"/>
+            <ac:picMk id="24" creationId="{ACA34BC5-6F47-D1AD-4CD7-730A42FB9A08}"/>
+          </ac:picMkLst>
+        </pc:picChg>
       </pc:sldChg>
       <pc:sldMasterChg chg="modSp modSldLayout">
         <pc:chgData name="Barkasi, Michael" userId="604489e9-c8b5-4a18-ae0d-3a3e29c44efc" providerId="ADAL" clId="{AE73B4D5-7497-0F41-8DCD-42BE02F6FF1D}" dt="2025-05-18T04:50:09.394" v="3"/>
@@ -4567,64 +4287,6 @@
       </p:pic>
       <p:pic>
         <p:nvPicPr>
-          <p:cNvPr id="23" name="Picture 22" descr="A black and white logo&#10;&#10;AI-generated content may be incorrect.">
-            <a:extLst>
-              <a:ext uri="{FF2B5EF4-FFF2-40B4-BE49-F238E27FC236}">
-                <a16:creationId xmlns:a16="http://schemas.microsoft.com/office/drawing/2014/main" id="{47A24157-C39A-2030-97F0-007C49B9328C}"/>
-              </a:ext>
-            </a:extLst>
-          </p:cNvPr>
-          <p:cNvPicPr>
-            <a:picLocks noChangeAspect="1"/>
-          </p:cNvPicPr>
-          <p:nvPr/>
-        </p:nvPicPr>
-        <p:blipFill>
-          <a:blip r:embed="rId4"/>
-          <a:srcRect l="17987" t="5362" r="18413" b="69734"/>
-          <a:stretch/>
-        </p:blipFill>
-        <p:spPr>
-          <a:xfrm>
-            <a:off x="9170100" y="6363477"/>
-            <a:ext cx="182880" cy="182880"/>
-          </a:xfrm>
-          <a:prstGeom prst="rect">
-            <a:avLst/>
-          </a:prstGeom>
-        </p:spPr>
-      </p:pic>
-      <p:pic>
-        <p:nvPicPr>
-          <p:cNvPr id="24" name="Picture 23" descr="A black symbol with four clubs&#10;&#10;AI-generated content may be incorrect.">
-            <a:extLst>
-              <a:ext uri="{FF2B5EF4-FFF2-40B4-BE49-F238E27FC236}">
-                <a16:creationId xmlns:a16="http://schemas.microsoft.com/office/drawing/2014/main" id="{ACA34BC5-6F47-D1AD-4CD7-730A42FB9A08}"/>
-              </a:ext>
-            </a:extLst>
-          </p:cNvPr>
-          <p:cNvPicPr>
-            <a:picLocks noChangeAspect="1"/>
-          </p:cNvPicPr>
-          <p:nvPr/>
-        </p:nvPicPr>
-        <p:blipFill>
-          <a:blip r:embed="rId3"/>
-          <a:srcRect l="19042" t="4763" r="16935" b="70199"/>
-          <a:stretch/>
-        </p:blipFill>
-        <p:spPr>
-          <a:xfrm>
-            <a:off x="6576215" y="1636589"/>
-            <a:ext cx="182880" cy="182880"/>
-          </a:xfrm>
-          <a:prstGeom prst="rect">
-            <a:avLst/>
-          </a:prstGeom>
-        </p:spPr>
-      </p:pic>
-      <p:pic>
-        <p:nvPicPr>
           <p:cNvPr id="25" name="Picture 24">
             <a:extLst>
               <a:ext uri="{FF2B5EF4-FFF2-40B4-BE49-F238E27FC236}">
@@ -4753,6 +4415,283 @@
                 <a:cs typeface="Arial" panose="020B0604020202020204" pitchFamily="34" charset="0"/>
               </a:rPr>
               <a:t>B</a:t>
+            </a:r>
+          </a:p>
+        </p:txBody>
+      </p:sp>
+      <p:pic>
+        <p:nvPicPr>
+          <p:cNvPr id="3" name="Picture 2" descr="A black symbol with a point&#10;&#10;AI-generated content may be incorrect.">
+            <a:extLst>
+              <a:ext uri="{FF2B5EF4-FFF2-40B4-BE49-F238E27FC236}">
+                <a16:creationId xmlns:a16="http://schemas.microsoft.com/office/drawing/2014/main" id="{C28F3247-D87A-752D-3C79-37810469E981}"/>
+              </a:ext>
+            </a:extLst>
+          </p:cNvPr>
+          <p:cNvPicPr>
+            <a:picLocks noChangeAspect="1"/>
+          </p:cNvPicPr>
+          <p:nvPr/>
+        </p:nvPicPr>
+        <p:blipFill>
+          <a:blip r:embed="rId7"/>
+          <a:srcRect l="17619" r="13809" b="50000"/>
+          <a:stretch>
+            <a:fillRect/>
+          </a:stretch>
+        </p:blipFill>
+        <p:spPr>
+          <a:xfrm>
+            <a:off x="9165770" y="6272037"/>
+            <a:ext cx="160090" cy="365760"/>
+          </a:xfrm>
+          <a:prstGeom prst="rect">
+            <a:avLst/>
+          </a:prstGeom>
+        </p:spPr>
+      </p:pic>
+      <p:pic>
+        <p:nvPicPr>
+          <p:cNvPr id="4" name="Picture 3" descr="A black symbol with a point&#10;&#10;AI-generated content may be incorrect.">
+            <a:extLst>
+              <a:ext uri="{FF2B5EF4-FFF2-40B4-BE49-F238E27FC236}">
+                <a16:creationId xmlns:a16="http://schemas.microsoft.com/office/drawing/2014/main" id="{02C10240-0811-1D60-B3FA-7B35A72DC0EB}"/>
+              </a:ext>
+            </a:extLst>
+          </p:cNvPr>
+          <p:cNvPicPr>
+            <a:picLocks noChangeAspect="1"/>
+          </p:cNvPicPr>
+          <p:nvPr/>
+        </p:nvPicPr>
+        <p:blipFill>
+          <a:blip r:embed="rId7"/>
+          <a:srcRect l="18864" t="50000" r="12565"/>
+          <a:stretch>
+            <a:fillRect/>
+          </a:stretch>
+        </p:blipFill>
+        <p:spPr>
+          <a:xfrm>
+            <a:off x="6587610" y="1453709"/>
+            <a:ext cx="160090" cy="365760"/>
+          </a:xfrm>
+          <a:prstGeom prst="rect">
+            <a:avLst/>
+          </a:prstGeom>
+        </p:spPr>
+      </p:pic>
+      <p:sp>
+        <p:nvSpPr>
+          <p:cNvPr id="2" name="TextBox 1">
+            <a:extLst>
+              <a:ext uri="{FF2B5EF4-FFF2-40B4-BE49-F238E27FC236}">
+                <a16:creationId xmlns:a16="http://schemas.microsoft.com/office/drawing/2014/main" id="{1FE50FF3-A92F-96A7-CF02-3958AD501752}"/>
+              </a:ext>
+            </a:extLst>
+          </p:cNvPr>
+          <p:cNvSpPr txBox="1"/>
+          <p:nvPr/>
+        </p:nvSpPr>
+        <p:spPr>
+          <a:xfrm>
+            <a:off x="1534885" y="1027997"/>
+            <a:ext cx="582211" cy="369332"/>
+          </a:xfrm>
+          <a:prstGeom prst="rect">
+            <a:avLst/>
+          </a:prstGeom>
+          <a:noFill/>
+        </p:spPr>
+        <p:txBody>
+          <a:bodyPr wrap="none" rtlCol="0">
+            <a:spAutoFit/>
+          </a:bodyPr>
+          <a:lstStyle/>
+          <a:p>
+            <a:r>
+              <a:rPr lang="en-US" b="1" dirty="0">
+                <a:solidFill>
+                  <a:schemeClr val="bg1">
+                    <a:lumMod val="50000"/>
+                  </a:schemeClr>
+                </a:solidFill>
+                <a:latin typeface="Arial" panose="020B0604020202020204" pitchFamily="34" charset="0"/>
+                <a:cs typeface="Arial" panose="020B0604020202020204" pitchFamily="34" charset="0"/>
+              </a:rPr>
+              <a:t>L6a</a:t>
+            </a:r>
+          </a:p>
+        </p:txBody>
+      </p:sp>
+      <p:sp>
+        <p:nvSpPr>
+          <p:cNvPr id="6" name="TextBox 5">
+            <a:extLst>
+              <a:ext uri="{FF2B5EF4-FFF2-40B4-BE49-F238E27FC236}">
+                <a16:creationId xmlns:a16="http://schemas.microsoft.com/office/drawing/2014/main" id="{691D8FAA-86C0-1D24-747B-014778B725A5}"/>
+              </a:ext>
+            </a:extLst>
+          </p:cNvPr>
+          <p:cNvSpPr txBox="1"/>
+          <p:nvPr/>
+        </p:nvSpPr>
+        <p:spPr>
+          <a:xfrm>
+            <a:off x="7081934" y="1027997"/>
+            <a:ext cx="453970" cy="369332"/>
+          </a:xfrm>
+          <a:prstGeom prst="rect">
+            <a:avLst/>
+          </a:prstGeom>
+          <a:noFill/>
+        </p:spPr>
+        <p:txBody>
+          <a:bodyPr wrap="none" rtlCol="0">
+            <a:spAutoFit/>
+          </a:bodyPr>
+          <a:lstStyle/>
+          <a:p>
+            <a:r>
+              <a:rPr lang="en-US" b="1" dirty="0">
+                <a:solidFill>
+                  <a:schemeClr val="bg1">
+                    <a:lumMod val="50000"/>
+                  </a:schemeClr>
+                </a:solidFill>
+                <a:latin typeface="Arial" panose="020B0604020202020204" pitchFamily="34" charset="0"/>
+                <a:cs typeface="Arial" panose="020B0604020202020204" pitchFamily="34" charset="0"/>
+              </a:rPr>
+              <a:t>L4</a:t>
+            </a:r>
+          </a:p>
+        </p:txBody>
+      </p:sp>
+      <p:sp>
+        <p:nvSpPr>
+          <p:cNvPr id="9" name="TextBox 8">
+            <a:extLst>
+              <a:ext uri="{FF2B5EF4-FFF2-40B4-BE49-F238E27FC236}">
+                <a16:creationId xmlns:a16="http://schemas.microsoft.com/office/drawing/2014/main" id="{BAA1CAAB-0152-A4A0-9CFD-76AE8AA16F8D}"/>
+              </a:ext>
+            </a:extLst>
+          </p:cNvPr>
+          <p:cNvSpPr txBox="1"/>
+          <p:nvPr/>
+        </p:nvSpPr>
+        <p:spPr>
+          <a:xfrm>
+            <a:off x="8249775" y="1027997"/>
+            <a:ext cx="646331" cy="369332"/>
+          </a:xfrm>
+          <a:prstGeom prst="rect">
+            <a:avLst/>
+          </a:prstGeom>
+          <a:noFill/>
+        </p:spPr>
+        <p:txBody>
+          <a:bodyPr wrap="none" rtlCol="0">
+            <a:spAutoFit/>
+          </a:bodyPr>
+          <a:lstStyle/>
+          <a:p>
+            <a:r>
+              <a:rPr lang="en-US" b="1" dirty="0">
+                <a:solidFill>
+                  <a:schemeClr val="bg1">
+                    <a:lumMod val="50000"/>
+                  </a:schemeClr>
+                </a:solidFill>
+                <a:latin typeface="Arial" panose="020B0604020202020204" pitchFamily="34" charset="0"/>
+                <a:cs typeface="Arial" panose="020B0604020202020204" pitchFamily="34" charset="0"/>
+              </a:rPr>
+              <a:t>L2/3</a:t>
+            </a:r>
+          </a:p>
+        </p:txBody>
+      </p:sp>
+      <p:sp>
+        <p:nvSpPr>
+          <p:cNvPr id="11" name="TextBox 10">
+            <a:extLst>
+              <a:ext uri="{FF2B5EF4-FFF2-40B4-BE49-F238E27FC236}">
+                <a16:creationId xmlns:a16="http://schemas.microsoft.com/office/drawing/2014/main" id="{55CB7C93-81B3-C5C6-7F5D-962254718E24}"/>
+              </a:ext>
+            </a:extLst>
+          </p:cNvPr>
+          <p:cNvSpPr txBox="1"/>
+          <p:nvPr/>
+        </p:nvSpPr>
+        <p:spPr>
+          <a:xfrm>
+            <a:off x="5216332" y="1027997"/>
+            <a:ext cx="453970" cy="369332"/>
+          </a:xfrm>
+          <a:prstGeom prst="rect">
+            <a:avLst/>
+          </a:prstGeom>
+          <a:noFill/>
+        </p:spPr>
+        <p:txBody>
+          <a:bodyPr wrap="none" rtlCol="0">
+            <a:spAutoFit/>
+          </a:bodyPr>
+          <a:lstStyle/>
+          <a:p>
+            <a:r>
+              <a:rPr lang="en-US" b="1" dirty="0">
+                <a:solidFill>
+                  <a:schemeClr val="bg1">
+                    <a:lumMod val="50000"/>
+                  </a:schemeClr>
+                </a:solidFill>
+                <a:latin typeface="Arial" panose="020B0604020202020204" pitchFamily="34" charset="0"/>
+                <a:cs typeface="Arial" panose="020B0604020202020204" pitchFamily="34" charset="0"/>
+              </a:rPr>
+              <a:t>L5</a:t>
+            </a:r>
+          </a:p>
+        </p:txBody>
+      </p:sp>
+      <p:sp>
+        <p:nvSpPr>
+          <p:cNvPr id="12" name="TextBox 11">
+            <a:extLst>
+              <a:ext uri="{FF2B5EF4-FFF2-40B4-BE49-F238E27FC236}">
+                <a16:creationId xmlns:a16="http://schemas.microsoft.com/office/drawing/2014/main" id="{2D71F764-0F0C-4577-29C0-77A35CC9F7DC}"/>
+              </a:ext>
+            </a:extLst>
+          </p:cNvPr>
+          <p:cNvSpPr txBox="1"/>
+          <p:nvPr/>
+        </p:nvSpPr>
+        <p:spPr>
+          <a:xfrm>
+            <a:off x="1135948" y="578498"/>
+            <a:ext cx="595035" cy="369332"/>
+          </a:xfrm>
+          <a:prstGeom prst="rect">
+            <a:avLst/>
+          </a:prstGeom>
+          <a:noFill/>
+        </p:spPr>
+        <p:txBody>
+          <a:bodyPr wrap="none" rtlCol="0">
+            <a:spAutoFit/>
+          </a:bodyPr>
+          <a:lstStyle/>
+          <a:p>
+            <a:r>
+              <a:rPr lang="en-US" b="1" dirty="0">
+                <a:solidFill>
+                  <a:schemeClr val="bg1">
+                    <a:lumMod val="50000"/>
+                  </a:schemeClr>
+                </a:solidFill>
+                <a:latin typeface="Arial" panose="020B0604020202020204" pitchFamily="34" charset="0"/>
+                <a:cs typeface="Arial" panose="020B0604020202020204" pitchFamily="34" charset="0"/>
+              </a:rPr>
+              <a:t>L6b</a:t>
             </a:r>
           </a:p>
         </p:txBody>
